--- a/documents/Presentation3.pptx
+++ b/documents/Presentation3.pptx
@@ -423,7 +423,7 @@
           <a:p>
             <a:fld id="{801B4683-54D5-5F41-A29D-9D9A8D143CDF}" type="datetimeFigureOut">
               <a:rPr lang="en-US" smtClean="0"/>
-              <a:t>5/25/16</a:t>
+              <a:t>5/25/2016</a:t>
             </a:fld>
             <a:endParaRPr lang="en-US"/>
           </a:p>
@@ -582,7 +582,7 @@
           <a:p>
             <a:fld id="{693F0ABD-34A3-6A41-A019-E8DB71597B25}" type="slidenum">
               <a:rPr lang="en-US" smtClean="0"/>
-              <a:t>‹#›</a:t>
+              <a:t>‹N°›</a:t>
             </a:fld>
             <a:endParaRPr lang="en-US"/>
           </a:p>
@@ -1045,7 +1045,7 @@
           <a:p>
             <a:fld id="{473B66B4-9620-0443-A834-AE0409559E13}" type="datetime1">
               <a:rPr lang="en-US" smtClean="0"/>
-              <a:t>5/25/16</a:t>
+              <a:t>5/25/2016</a:t>
             </a:fld>
             <a:endParaRPr lang="en-US" dirty="0"/>
           </a:p>
@@ -1091,7 +1091,7 @@
           <a:p>
             <a:fld id="{D57F1E4F-1CFF-5643-939E-02111984F565}" type="slidenum">
               <a:rPr lang="en-US" dirty="0"/>
-              <a:t>‹#›</a:t>
+              <a:t>‹N°›</a:t>
             </a:fld>
             <a:endParaRPr lang="en-US" dirty="0"/>
           </a:p>
@@ -1319,7 +1319,7 @@
           <a:p>
             <a:fld id="{4D621811-4248-DF41-BC00-6BEE575D040A}" type="datetime1">
               <a:rPr lang="en-US" smtClean="0"/>
-              <a:t>5/25/16</a:t>
+              <a:t>5/25/2016</a:t>
             </a:fld>
             <a:endParaRPr lang="en-US" dirty="0"/>
           </a:p>
@@ -1365,7 +1365,7 @@
           <a:p>
             <a:fld id="{D57F1E4F-1CFF-5643-939E-02111984F565}" type="slidenum">
               <a:rPr lang="en-US" dirty="0"/>
-              <a:t>‹#›</a:t>
+              <a:t>‹N°›</a:t>
             </a:fld>
             <a:endParaRPr lang="en-US" dirty="0"/>
           </a:p>
@@ -1512,7 +1512,7 @@
           <a:p>
             <a:fld id="{26E754CA-7EB6-BA40-A3DB-1906239B6E1F}" type="datetime1">
               <a:rPr lang="en-US" smtClean="0"/>
-              <a:t>5/25/16</a:t>
+              <a:t>5/25/2016</a:t>
             </a:fld>
             <a:endParaRPr lang="en-US" dirty="0"/>
           </a:p>
@@ -1558,7 +1558,7 @@
           <a:p>
             <a:fld id="{D57F1E4F-1CFF-5643-939E-02111984F565}" type="slidenum">
               <a:rPr lang="en-US" dirty="0"/>
-              <a:t>‹#›</a:t>
+              <a:t>‹N°›</a:t>
             </a:fld>
             <a:endParaRPr lang="en-US" dirty="0"/>
           </a:p>
@@ -1784,7 +1784,7 @@
           <a:p>
             <a:fld id="{BA8F3550-1320-1349-A0EF-C79B426DC9B0}" type="datetime1">
               <a:rPr lang="en-US" smtClean="0"/>
-              <a:t>5/25/16</a:t>
+              <a:t>5/25/2016</a:t>
             </a:fld>
             <a:endParaRPr lang="en-US" dirty="0"/>
           </a:p>
@@ -1830,7 +1830,7 @@
           <a:p>
             <a:fld id="{D57F1E4F-1CFF-5643-939E-02111984F565}" type="slidenum">
               <a:rPr lang="en-US" dirty="0"/>
-              <a:t>‹#›</a:t>
+              <a:t>‹N°›</a:t>
             </a:fld>
             <a:endParaRPr lang="en-US" dirty="0"/>
           </a:p>
@@ -2124,7 +2124,7 @@
           <a:p>
             <a:fld id="{316F08D9-FBCD-F745-A8E2-FAAD0A85A44C}" type="datetime1">
               <a:rPr lang="en-US" smtClean="0"/>
-              <a:t>5/25/16</a:t>
+              <a:t>5/25/2016</a:t>
             </a:fld>
             <a:endParaRPr lang="en-US" dirty="0"/>
           </a:p>
@@ -2170,7 +2170,7 @@
           <a:p>
             <a:fld id="{D57F1E4F-1CFF-5643-939E-02111984F565}" type="slidenum">
               <a:rPr lang="en-US" dirty="0"/>
-              <a:t>‹#›</a:t>
+              <a:t>‹N°›</a:t>
             </a:fld>
             <a:endParaRPr lang="en-US" dirty="0"/>
           </a:p>
@@ -2746,7 +2746,7 @@
           <a:p>
             <a:fld id="{6AF98714-803E-864E-97F6-1E36646F0797}" type="datetime1">
               <a:rPr lang="en-US" smtClean="0"/>
-              <a:t>5/25/16</a:t>
+              <a:t>5/25/2016</a:t>
             </a:fld>
             <a:endParaRPr lang="en-US" dirty="0"/>
           </a:p>
@@ -2792,7 +2792,7 @@
           <a:p>
             <a:fld id="{D57F1E4F-1CFF-5643-939E-02111984F565}" type="slidenum">
               <a:rPr lang="en-US" dirty="0"/>
-              <a:t>‹#›</a:t>
+              <a:t>‹N°›</a:t>
             </a:fld>
             <a:endParaRPr lang="en-US" dirty="0"/>
           </a:p>
@@ -3605,7 +3605,7 @@
           <a:p>
             <a:fld id="{FECC5E52-E63E-8142-97A6-084F0865B612}" type="datetime1">
               <a:rPr lang="en-US" smtClean="0"/>
-              <a:t>5/25/16</a:t>
+              <a:t>5/25/2016</a:t>
             </a:fld>
             <a:endParaRPr lang="en-US" dirty="0"/>
           </a:p>
@@ -3651,7 +3651,7 @@
           <a:p>
             <a:fld id="{D57F1E4F-1CFF-5643-939E-02111984F565}" type="slidenum">
               <a:rPr lang="en-US" dirty="0"/>
-              <a:t>‹#›</a:t>
+              <a:t>‹N°›</a:t>
             </a:fld>
             <a:endParaRPr lang="en-US" dirty="0"/>
           </a:p>
@@ -3774,7 +3774,7 @@
           <a:p>
             <a:fld id="{FFDA8A2B-5D0D-EB48-857C-68715779CF2D}" type="datetime1">
               <a:rPr lang="en-US" smtClean="0"/>
-              <a:t>5/25/16</a:t>
+              <a:t>5/25/2016</a:t>
             </a:fld>
             <a:endParaRPr lang="en-US" dirty="0"/>
           </a:p>
@@ -3820,7 +3820,7 @@
           <a:p>
             <a:fld id="{D57F1E4F-1CFF-5643-939E-02111984F565}" type="slidenum">
               <a:rPr lang="en-US" dirty="0"/>
-              <a:t>‹#›</a:t>
+              <a:t>‹N°›</a:t>
             </a:fld>
             <a:endParaRPr lang="en-US" dirty="0"/>
           </a:p>
@@ -3953,7 +3953,7 @@
           <a:p>
             <a:fld id="{EE0C3EDF-D65B-E540-A618-4B9A97D568B3}" type="datetime1">
               <a:rPr lang="en-US" smtClean="0"/>
-              <a:t>5/25/16</a:t>
+              <a:t>5/25/2016</a:t>
             </a:fld>
             <a:endParaRPr lang="en-US" dirty="0"/>
           </a:p>
@@ -3999,7 +3999,7 @@
           <a:p>
             <a:fld id="{D57F1E4F-1CFF-5643-939E-02111984F565}" type="slidenum">
               <a:rPr lang="en-US" dirty="0"/>
-              <a:t>‹#›</a:t>
+              <a:t>‹N°›</a:t>
             </a:fld>
             <a:endParaRPr lang="en-US" dirty="0"/>
           </a:p>
@@ -4122,7 +4122,7 @@
           <a:p>
             <a:fld id="{2186BED8-3DE4-CF4D-AE27-C3DAACD28AD1}" type="datetime1">
               <a:rPr lang="en-US" smtClean="0"/>
-              <a:t>5/25/16</a:t>
+              <a:t>5/25/2016</a:t>
             </a:fld>
             <a:endParaRPr lang="en-US" dirty="0"/>
           </a:p>
@@ -4168,7 +4168,7 @@
           <a:p>
             <a:fld id="{D57F1E4F-1CFF-5643-939E-02111984F565}" type="slidenum">
               <a:rPr lang="en-US" dirty="0"/>
-              <a:t>‹#›</a:t>
+              <a:t>‹N°›</a:t>
             </a:fld>
             <a:endParaRPr lang="en-US" dirty="0"/>
           </a:p>
@@ -4368,7 +4368,7 @@
           <a:p>
             <a:fld id="{CE7D2D7C-BD25-8042-B9AA-09671FE5CEE7}" type="datetime1">
               <a:rPr lang="en-US" smtClean="0"/>
-              <a:t>5/25/16</a:t>
+              <a:t>5/25/2016</a:t>
             </a:fld>
             <a:endParaRPr lang="en-US" dirty="0"/>
           </a:p>
@@ -4414,7 +4414,7 @@
           <a:p>
             <a:fld id="{D57F1E4F-1CFF-5643-939E-02111984F565}" type="slidenum">
               <a:rPr lang="en-US" dirty="0"/>
-              <a:t>‹#›</a:t>
+              <a:t>‹N°›</a:t>
             </a:fld>
             <a:endParaRPr lang="en-US" dirty="0"/>
           </a:p>
@@ -4659,7 +4659,7 @@
           <a:p>
             <a:fld id="{69FB16F4-E065-124E-BCA3-85D3E64C83D1}" type="datetime1">
               <a:rPr lang="en-US" smtClean="0"/>
-              <a:t>5/25/16</a:t>
+              <a:t>5/25/2016</a:t>
             </a:fld>
             <a:endParaRPr lang="en-US" dirty="0"/>
           </a:p>
@@ -4705,7 +4705,7 @@
           <a:p>
             <a:fld id="{D57F1E4F-1CFF-5643-939E-02111984F565}" type="slidenum">
               <a:rPr lang="en-US" dirty="0"/>
-              <a:t>‹#›</a:t>
+              <a:t>‹N°›</a:t>
             </a:fld>
             <a:endParaRPr lang="en-US" dirty="0"/>
           </a:p>
@@ -5102,7 +5102,7 @@
           <a:p>
             <a:fld id="{4F5B39D3-F451-2245-B9DA-9CD5A2783C3C}" type="datetime1">
               <a:rPr lang="en-US" smtClean="0"/>
-              <a:t>5/25/16</a:t>
+              <a:t>5/25/2016</a:t>
             </a:fld>
             <a:endParaRPr lang="en-US" dirty="0"/>
           </a:p>
@@ -5148,7 +5148,7 @@
           <a:p>
             <a:fld id="{D57F1E4F-1CFF-5643-939E-02111984F565}" type="slidenum">
               <a:rPr lang="en-US" dirty="0"/>
-              <a:t>‹#›</a:t>
+              <a:t>‹N°›</a:t>
             </a:fld>
             <a:endParaRPr lang="en-US" dirty="0"/>
           </a:p>
@@ -5219,7 +5219,7 @@
           <a:p>
             <a:fld id="{753BED52-623D-2D46-86E1-90977A85617D}" type="datetime1">
               <a:rPr lang="en-US" smtClean="0"/>
-              <a:t>5/25/16</a:t>
+              <a:t>5/25/2016</a:t>
             </a:fld>
             <a:endParaRPr lang="en-US" dirty="0"/>
           </a:p>
@@ -5265,7 +5265,7 @@
           <a:p>
             <a:fld id="{D57F1E4F-1CFF-5643-939E-02111984F565}" type="slidenum">
               <a:rPr lang="en-US" dirty="0"/>
-              <a:t>‹#›</a:t>
+              <a:t>‹N°›</a:t>
             </a:fld>
             <a:endParaRPr lang="en-US" dirty="0"/>
           </a:p>
@@ -5313,7 +5313,7 @@
           <a:p>
             <a:fld id="{94B7DCEB-EFAF-7B45-8914-8A8BF2046059}" type="datetime1">
               <a:rPr lang="en-US" smtClean="0"/>
-              <a:t>5/25/16</a:t>
+              <a:t>5/25/2016</a:t>
             </a:fld>
             <a:endParaRPr lang="en-US" dirty="0"/>
           </a:p>
@@ -5359,7 +5359,7 @@
           <a:p>
             <a:fld id="{D57F1E4F-1CFF-5643-939E-02111984F565}" type="slidenum">
               <a:rPr lang="en-US" dirty="0"/>
-              <a:t>‹#›</a:t>
+              <a:t>‹N°›</a:t>
             </a:fld>
             <a:endParaRPr lang="en-US" dirty="0"/>
           </a:p>
@@ -5591,7 +5591,7 @@
           <a:p>
             <a:fld id="{03235113-4F8E-BB4B-A720-7328EB0C7D80}" type="datetime1">
               <a:rPr lang="en-US" smtClean="0"/>
-              <a:t>5/25/16</a:t>
+              <a:t>5/25/2016</a:t>
             </a:fld>
             <a:endParaRPr lang="en-US" dirty="0"/>
           </a:p>
@@ -5637,7 +5637,7 @@
           <a:p>
             <a:fld id="{D57F1E4F-1CFF-5643-939E-02111984F565}" type="slidenum">
               <a:rPr lang="en-US" dirty="0"/>
-              <a:t>‹#›</a:t>
+              <a:t>‹N°›</a:t>
             </a:fld>
             <a:endParaRPr lang="en-US" dirty="0"/>
           </a:p>
@@ -5865,7 +5865,7 @@
           <a:p>
             <a:fld id="{C4C821A7-19CC-F744-BE36-28F001516C0B}" type="datetime1">
               <a:rPr lang="en-US" smtClean="0"/>
-              <a:t>5/25/16</a:t>
+              <a:t>5/25/2016</a:t>
             </a:fld>
             <a:endParaRPr lang="en-US" dirty="0"/>
           </a:p>
@@ -5911,7 +5911,7 @@
           <a:p>
             <a:fld id="{D57F1E4F-1CFF-5643-939E-02111984F565}" type="slidenum">
               <a:rPr lang="en-US" dirty="0"/>
-              <a:t>‹#›</a:t>
+              <a:t>‹N°›</a:t>
             </a:fld>
             <a:endParaRPr lang="en-US" dirty="0"/>
           </a:p>
@@ -6293,7 +6293,7 @@
           <a:p>
             <a:fld id="{4A993E79-103A-3246-9A40-B4F4DFD017E1}" type="datetime1">
               <a:rPr lang="en-US" smtClean="0"/>
-              <a:t>5/25/16</a:t>
+              <a:t>5/25/2016</a:t>
             </a:fld>
             <a:endParaRPr lang="en-US" dirty="0"/>
           </a:p>
@@ -6376,7 +6376,7 @@
           <a:p>
             <a:fld id="{D57F1E4F-1CFF-5643-939E-02111984F565}" type="slidenum">
               <a:rPr lang="en-US" dirty="0"/>
-              <a:t>‹#›</a:t>
+              <a:t>‹N°›</a:t>
             </a:fld>
             <a:endParaRPr lang="en-US" dirty="0"/>
           </a:p>
@@ -7251,7 +7251,11 @@
             <a:pPr lvl="1"/>
             <a:r>
               <a:rPr lang="en-US" dirty="0" smtClean="0"/>
-              <a:t>Constrains like unique indexes and foreign keys describe the type of relation </a:t>
+              <a:t>Constraints </a:t>
+            </a:r>
+            <a:r>
+              <a:rPr lang="en-US" dirty="0" smtClean="0"/>
+              <a:t>like unique indexes and foreign keys describe the type of relation </a:t>
             </a:r>
           </a:p>
           <a:p>
@@ -7263,7 +7267,19 @@
           <a:p>
             <a:r>
               <a:rPr lang="en-US" dirty="0" smtClean="0"/>
-              <a:t>Coherence of the data depends from those relations</a:t>
+              <a:t>The coherence </a:t>
+            </a:r>
+            <a:r>
+              <a:rPr lang="en-US" dirty="0" smtClean="0"/>
+              <a:t>of the data depends </a:t>
+            </a:r>
+            <a:r>
+              <a:rPr lang="en-US" dirty="0" smtClean="0"/>
+              <a:t>on </a:t>
+            </a:r>
+            <a:r>
+              <a:rPr lang="en-US" dirty="0" smtClean="0"/>
+              <a:t>those relations</a:t>
             </a:r>
           </a:p>
           <a:p>
@@ -7395,7 +7411,11 @@
           <a:p>
             <a:r>
               <a:rPr lang="en-US" dirty="0" smtClean="0"/>
-              <a:t>Compute and generates </a:t>
+              <a:t>Computes </a:t>
+            </a:r>
+            <a:r>
+              <a:rPr lang="en-US" dirty="0" smtClean="0"/>
+              <a:t>and generates </a:t>
             </a:r>
             <a:r>
               <a:rPr lang="en-US" dirty="0"/>
@@ -7421,11 +7441,20 @@
           <a:p>
             <a:r>
               <a:rPr lang="en-US" dirty="0" smtClean="0"/>
-              <a:t>Provides a read/write access to data (transactional)</a:t>
-            </a:r>
-            <a:endParaRPr lang="en-US" dirty="0"/>
-          </a:p>
-          <a:p>
+              <a:t>Provides a </a:t>
+            </a:r>
+            <a:r>
+              <a:rPr lang="en-US" dirty="0" smtClean="0"/>
+              <a:t>read/write </a:t>
+            </a:r>
+            <a:r>
+              <a:rPr lang="en-US" dirty="0" smtClean="0"/>
+              <a:t>access to </a:t>
+            </a:r>
+            <a:r>
+              <a:rPr lang="en-US" dirty="0" smtClean="0"/>
+              <a:t>data</a:t>
+            </a:r>
             <a:endParaRPr lang="en-US" dirty="0" smtClean="0"/>
           </a:p>
           <a:p>
